--- a/webpack.pptx
+++ b/webpack.pptx
@@ -6848,8 +6848,8 @@
         </p:nvSpPr>
         <p:spPr>
           <a:xfrm>
-            <a:off x="566081" y="2499742"/>
-            <a:ext cx="7344816" cy="2031325"/>
+            <a:off x="566080" y="2499742"/>
+            <a:ext cx="7894351" cy="1754326"/>
           </a:xfrm>
           <a:prstGeom prst="rect">
             <a:avLst/>
@@ -6872,11 +6872,15 @@
             </a:r>
             <a:r>
               <a:rPr lang="zh-CN" altLang="zh-CN" dirty="0"/>
-              <a:t>指的是运行本地</a:t>
-            </a:r>
-            <a:r>
-              <a:rPr lang="en-US" altLang="zh-CN" dirty="0" err="1"/>
-              <a:t>Webpack</a:t>
+              <a:t>指的是运行</a:t>
+            </a:r>
+            <a:r>
+              <a:rPr lang="zh-CN" altLang="zh-CN" dirty="0" smtClean="0"/>
+              <a:t>本地</a:t>
+            </a:r>
+            <a:r>
+              <a:rPr lang="en-US" altLang="zh-CN" dirty="0" err="1" smtClean="0"/>
+              <a:t>webpack</a:t>
             </a:r>
             <a:r>
               <a:rPr lang="zh-CN" altLang="zh-CN" dirty="0"/>
@@ -6926,7 +6930,41 @@
             </a:r>
             <a:r>
               <a:rPr lang="zh-CN" altLang="zh-CN" dirty="0"/>
-              <a:t>即为</a:t>
+              <a:t>即</a:t>
+            </a:r>
+            <a:r>
+              <a:rPr lang="zh-CN" altLang="zh-CN" dirty="0" smtClean="0"/>
+              <a:t>为</a:t>
+            </a:r>
+            <a:r>
+              <a:rPr lang="en-US" altLang="zh-CN" dirty="0" err="1" smtClean="0"/>
+              <a:t>webpack</a:t>
+            </a:r>
+            <a:r>
+              <a:rPr lang="zh-CN" altLang="zh-CN" dirty="0"/>
+              <a:t>打包之后浏览器可运行的文件。在</a:t>
+            </a:r>
+            <a:r>
+              <a:rPr lang="en-US" altLang="zh-CN" dirty="0"/>
+              <a:t>html</a:t>
+            </a:r>
+            <a:r>
+              <a:rPr lang="zh-CN" altLang="zh-CN" dirty="0"/>
+              <a:t>中引用该</a:t>
+            </a:r>
+            <a:r>
+              <a:rPr lang="en-US" altLang="zh-CN" dirty="0" err="1"/>
+              <a:t>js</a:t>
+            </a:r>
+            <a:r>
+              <a:rPr lang="zh-CN" altLang="zh-CN" dirty="0"/>
+              <a:t>就可以正常展示页面了。</a:t>
+            </a:r>
+          </a:p>
+          <a:p>
+            <a:r>
+              <a:rPr lang="zh-CN" altLang="zh-CN" dirty="0"/>
+              <a:t>虽然在这个项目中没有任何</a:t>
             </a:r>
             <a:r>
               <a:rPr lang="en-US" altLang="zh-CN" dirty="0" err="1"/>
@@ -6934,41 +6972,15 @@
             </a:r>
             <a:r>
               <a:rPr lang="zh-CN" altLang="zh-CN" dirty="0"/>
-              <a:t>打包之后浏览器可运行的文件。在</a:t>
-            </a:r>
-            <a:r>
-              <a:rPr lang="en-US" altLang="zh-CN" dirty="0"/>
-              <a:t>html</a:t>
-            </a:r>
-            <a:r>
-              <a:rPr lang="zh-CN" altLang="zh-CN" dirty="0"/>
-              <a:t>中引用该</a:t>
-            </a:r>
-            <a:r>
-              <a:rPr lang="en-US" altLang="zh-CN" dirty="0" err="1"/>
-              <a:t>js</a:t>
-            </a:r>
-            <a:r>
-              <a:rPr lang="zh-CN" altLang="zh-CN" dirty="0"/>
-              <a:t>就可以正常展示页面了。</a:t>
-            </a:r>
-          </a:p>
-          <a:p>
-            <a:r>
-              <a:rPr lang="zh-CN" altLang="zh-CN" dirty="0"/>
-              <a:t>虽然在这个项目中没有任何</a:t>
-            </a:r>
-            <a:r>
-              <a:rPr lang="en-US" altLang="zh-CN" dirty="0" err="1"/>
-              <a:t>Webpack</a:t>
-            </a:r>
-            <a:r>
-              <a:rPr lang="zh-CN" altLang="zh-CN" dirty="0"/>
-              <a:t>的配置，但是</a:t>
-            </a:r>
-            <a:r>
-              <a:rPr lang="en-US" altLang="zh-CN" dirty="0" err="1"/>
-              <a:t>Webpack</a:t>
+              <a:t>的配置，</a:t>
+            </a:r>
+            <a:r>
+              <a:rPr lang="zh-CN" altLang="zh-CN" dirty="0" smtClean="0"/>
+              <a:t>但是</a:t>
+            </a:r>
+            <a:r>
+              <a:rPr lang="en-US" altLang="zh-CN" dirty="0" err="1" smtClean="0"/>
+              <a:t>webpack</a:t>
             </a:r>
             <a:r>
               <a:rPr lang="zh-CN" altLang="zh-CN" dirty="0"/>
